--- a/Project 1 Slide.pptx
+++ b/Project 1 Slide.pptx
@@ -6294,7 +6294,7 @@
               <a:t>Actors and </a:t>
             </a:r>
             <a:r>
-              <a:rPr b="1" lang="en" sz="2750"/>
+              <a:rPr lang="en" sz="2750"/>
               <a:t>Responsibility</a:t>
             </a:r>
             <a:endParaRPr sz="2750"/>
@@ -6355,7 +6355,7 @@
             <a:tbl>
               <a:tblPr>
                 <a:noFill/>
-                <a:tableStyleId>{78D03129-EBE6-42BF-A87A-2CF7470BC416}</a:tableStyleId>
+                <a:tableStyleId>{5B5716F4-D79F-40BA-9C1C-C903801A7985}</a:tableStyleId>
               </a:tblPr>
               <a:tblGrid>
                 <a:gridCol w="2971800"/>
@@ -7598,8 +7598,8 @@
         </p:blipFill>
         <p:spPr>
           <a:xfrm>
-            <a:off x="0" y="576275"/>
-            <a:ext cx="9144003" cy="4567226"/>
+            <a:off x="0" y="490275"/>
+            <a:ext cx="9173023" cy="4653224"/>
           </a:xfrm>
           <a:prstGeom prst="rect">
             <a:avLst/>
@@ -7691,8 +7691,8 @@
         </p:blipFill>
         <p:spPr>
           <a:xfrm>
-            <a:off x="1969675" y="809950"/>
-            <a:ext cx="4949402" cy="4028749"/>
+            <a:off x="2231488" y="955100"/>
+            <a:ext cx="4681023" cy="3820976"/>
           </a:xfrm>
           <a:prstGeom prst="rect">
             <a:avLst/>

--- a/Project 1 Slide.pptx
+++ b/Project 1 Slide.pptx
@@ -6355,7 +6355,7 @@
             <a:tbl>
               <a:tblPr>
                 <a:noFill/>
-                <a:tableStyleId>{5B5716F4-D79F-40BA-9C1C-C903801A7985}</a:tableStyleId>
+                <a:tableStyleId>{03A701B3-09FE-4917-9E24-C1A1678905EC}</a:tableStyleId>
               </a:tblPr>
               <a:tblGrid>
                 <a:gridCol w="2971800"/>
@@ -7598,8 +7598,8 @@
         </p:blipFill>
         <p:spPr>
           <a:xfrm>
-            <a:off x="0" y="490275"/>
-            <a:ext cx="9173023" cy="4653224"/>
+            <a:off x="-36750" y="498875"/>
+            <a:ext cx="9180749" cy="4644624"/>
           </a:xfrm>
           <a:prstGeom prst="rect">
             <a:avLst/>
@@ -7712,6 +7712,285 @@
 </file>
 
 <file path=ppt/theme/theme1.xml><?xml version="1.0" encoding="utf-8"?>
+<a:theme xmlns:a="http://schemas.openxmlformats.org/drawingml/2006/main" xmlns:r="http://schemas.openxmlformats.org/officeDocument/2006/relationships" name="Simple Dark">
+  <a:themeElements>
+    <a:clrScheme name="Simple Dark">
+      <a:dk1>
+        <a:srgbClr val="FFFFFF"/>
+      </a:dk1>
+      <a:lt1>
+        <a:srgbClr val="212121"/>
+      </a:lt1>
+      <a:dk2>
+        <a:srgbClr val="303030"/>
+      </a:dk2>
+      <a:lt2>
+        <a:srgbClr val="ADADAD"/>
+      </a:lt2>
+      <a:accent1>
+        <a:srgbClr val="009688"/>
+      </a:accent1>
+      <a:accent2>
+        <a:srgbClr val="EEEEEE"/>
+      </a:accent2>
+      <a:accent3>
+        <a:srgbClr val="78909C"/>
+      </a:accent3>
+      <a:accent4>
+        <a:srgbClr val="FFAB40"/>
+      </a:accent4>
+      <a:accent5>
+        <a:srgbClr val="4DD0E1"/>
+      </a:accent5>
+      <a:accent6>
+        <a:srgbClr val="EEFF41"/>
+      </a:accent6>
+      <a:hlink>
+        <a:srgbClr val="4DD0E1"/>
+      </a:hlink>
+      <a:folHlink>
+        <a:srgbClr val="4DD0E1"/>
+      </a:folHlink>
+    </a:clrScheme>
+    <a:fontScheme name="Office">
+      <a:majorFont>
+        <a:latin typeface="Arial"/>
+        <a:ea typeface=""/>
+        <a:cs typeface=""/>
+        <a:font script="Jpan" typeface="ＭＳ Ｐゴシック"/>
+        <a:font script="Hang" typeface="맑은 고딕"/>
+        <a:font script="Hans" typeface="宋体"/>
+        <a:font script="Hant" typeface="新細明體"/>
+        <a:font script="Arab" typeface="Times New Roman"/>
+        <a:font script="Hebr" typeface="Times New Roman"/>
+        <a:font script="Thai" typeface="Angsana New"/>
+        <a:font script="Ethi" typeface="Nyala"/>
+        <a:font script="Beng" typeface="Vrinda"/>
+        <a:font script="Gujr" typeface="Shruti"/>
+        <a:font script="Khmr" typeface="MoolBoran"/>
+        <a:font script="Knda" typeface="Tunga"/>
+        <a:font script="Guru" typeface="Raavi"/>
+        <a:font script="Cans" typeface="Euphemia"/>
+        <a:font script="Cher" typeface="Plantagenet Cherokee"/>
+        <a:font script="Yiii" typeface="Microsoft Yi Baiti"/>
+        <a:font script="Tibt" typeface="Microsoft Himalaya"/>
+        <a:font script="Thaa" typeface="MV Boli"/>
+        <a:font script="Deva" typeface="Mangal"/>
+        <a:font script="Telu" typeface="Gautami"/>
+        <a:font script="Taml" typeface="Latha"/>
+        <a:font script="Syrc" typeface="Estrangelo Edessa"/>
+        <a:font script="Orya" typeface="Kalinga"/>
+        <a:font script="Mlym" typeface="Kartika"/>
+        <a:font script="Laoo" typeface="DokChampa"/>
+        <a:font script="Sinh" typeface="Iskoola Pota"/>
+        <a:font script="Mong" typeface="Mongolian Baiti"/>
+        <a:font script="Viet" typeface="Times New Roman"/>
+        <a:font script="Uigh" typeface="Microsoft Uighur"/>
+        <a:font script="Geor" typeface="Sylfaen"/>
+      </a:majorFont>
+      <a:minorFont>
+        <a:latin typeface="Arial"/>
+        <a:ea typeface=""/>
+        <a:cs typeface=""/>
+        <a:font script="Jpan" typeface="ＭＳ Ｐゴシック"/>
+        <a:font script="Hang" typeface="맑은 고딕"/>
+        <a:font script="Hans" typeface="宋体"/>
+        <a:font script="Hant" typeface="新細明體"/>
+        <a:font script="Arab" typeface="Arial"/>
+        <a:font script="Hebr" typeface="Arial"/>
+        <a:font script="Thai" typeface="Cordia New"/>
+        <a:font script="Ethi" typeface="Nyala"/>
+        <a:font script="Beng" typeface="Vrinda"/>
+        <a:font script="Gujr" typeface="Shruti"/>
+        <a:font script="Khmr" typeface="DaunPenh"/>
+        <a:font script="Knda" typeface="Tunga"/>
+        <a:font script="Guru" typeface="Raavi"/>
+        <a:font script="Cans" typeface="Euphemia"/>
+        <a:font script="Cher" typeface="Plantagenet Cherokee"/>
+        <a:font script="Yiii" typeface="Microsoft Yi Baiti"/>
+        <a:font script="Tibt" typeface="Microsoft Himalaya"/>
+        <a:font script="Thaa" typeface="MV Boli"/>
+        <a:font script="Deva" typeface="Mangal"/>
+        <a:font script="Telu" typeface="Gautami"/>
+        <a:font script="Taml" typeface="Latha"/>
+        <a:font script="Syrc" typeface="Estrangelo Edessa"/>
+        <a:font script="Orya" typeface="Kalinga"/>
+        <a:font script="Mlym" typeface="Kartika"/>
+        <a:font script="Laoo" typeface="DokChampa"/>
+        <a:font script="Sinh" typeface="Iskoola Pota"/>
+        <a:font script="Mong" typeface="Mongolian Baiti"/>
+        <a:font script="Viet" typeface="Arial"/>
+        <a:font script="Uigh" typeface="Microsoft Uighur"/>
+        <a:font script="Geor" typeface="Sylfaen"/>
+      </a:minorFont>
+    </a:fontScheme>
+    <a:fmtScheme name="Office">
+      <a:fillStyleLst>
+        <a:solidFill>
+          <a:schemeClr val="phClr"/>
+        </a:solidFill>
+        <a:gradFill rotWithShape="1">
+          <a:gsLst>
+            <a:gs pos="0">
+              <a:schemeClr val="phClr">
+                <a:tint val="50000"/>
+                <a:satMod val="300000"/>
+              </a:schemeClr>
+            </a:gs>
+            <a:gs pos="35000">
+              <a:schemeClr val="phClr">
+                <a:tint val="37000"/>
+                <a:satMod val="300000"/>
+              </a:schemeClr>
+            </a:gs>
+            <a:gs pos="100000">
+              <a:schemeClr val="phClr">
+                <a:tint val="15000"/>
+                <a:satMod val="350000"/>
+              </a:schemeClr>
+            </a:gs>
+          </a:gsLst>
+          <a:lin ang="16200000" scaled="1"/>
+        </a:gradFill>
+        <a:gradFill rotWithShape="1">
+          <a:gsLst>
+            <a:gs pos="0">
+              <a:schemeClr val="phClr">
+                <a:tint val="100000"/>
+                <a:shade val="100000"/>
+                <a:satMod val="130000"/>
+              </a:schemeClr>
+            </a:gs>
+            <a:gs pos="100000">
+              <a:schemeClr val="phClr">
+                <a:tint val="50000"/>
+                <a:shade val="100000"/>
+                <a:satMod val="350000"/>
+              </a:schemeClr>
+            </a:gs>
+          </a:gsLst>
+          <a:lin ang="16200000" scaled="0"/>
+        </a:gradFill>
+      </a:fillStyleLst>
+      <a:lnStyleLst>
+        <a:ln w="9525" cap="flat" cmpd="sng" algn="ctr">
+          <a:solidFill>
+            <a:schemeClr val="phClr">
+              <a:shade val="95000"/>
+              <a:satMod val="105000"/>
+            </a:schemeClr>
+          </a:solidFill>
+          <a:prstDash val="solid"/>
+        </a:ln>
+        <a:ln w="25400" cap="flat" cmpd="sng" algn="ctr">
+          <a:solidFill>
+            <a:schemeClr val="phClr"/>
+          </a:solidFill>
+          <a:prstDash val="solid"/>
+        </a:ln>
+        <a:ln w="38100" cap="flat" cmpd="sng" algn="ctr">
+          <a:solidFill>
+            <a:schemeClr val="phClr"/>
+          </a:solidFill>
+          <a:prstDash val="solid"/>
+        </a:ln>
+      </a:lnStyleLst>
+      <a:effectStyleLst>
+        <a:effectStyle>
+          <a:effectLst>
+            <a:outerShdw blurRad="40000" dist="20000" dir="5400000" rotWithShape="0">
+              <a:srgbClr val="000000">
+                <a:alpha val="38000"/>
+              </a:srgbClr>
+            </a:outerShdw>
+          </a:effectLst>
+        </a:effectStyle>
+        <a:effectStyle>
+          <a:effectLst>
+            <a:outerShdw blurRad="40000" dist="23000" dir="5400000" rotWithShape="0">
+              <a:srgbClr val="000000">
+                <a:alpha val="35000"/>
+              </a:srgbClr>
+            </a:outerShdw>
+          </a:effectLst>
+        </a:effectStyle>
+        <a:effectStyle>
+          <a:effectLst>
+            <a:outerShdw blurRad="40000" dist="23000" dir="5400000" rotWithShape="0">
+              <a:srgbClr val="000000">
+                <a:alpha val="35000"/>
+              </a:srgbClr>
+            </a:outerShdw>
+          </a:effectLst>
+          <a:scene3d>
+            <a:camera prst="orthographicFront">
+              <a:rot lat="0" lon="0" rev="0"/>
+            </a:camera>
+            <a:lightRig rig="threePt" dir="t">
+              <a:rot lat="0" lon="0" rev="1200000"/>
+            </a:lightRig>
+          </a:scene3d>
+          <a:sp3d>
+            <a:bevelT w="63500" h="25400"/>
+          </a:sp3d>
+        </a:effectStyle>
+      </a:effectStyleLst>
+      <a:bgFillStyleLst>
+        <a:solidFill>
+          <a:schemeClr val="phClr"/>
+        </a:solidFill>
+        <a:gradFill rotWithShape="1">
+          <a:gsLst>
+            <a:gs pos="0">
+              <a:schemeClr val="phClr">
+                <a:tint val="40000"/>
+                <a:satMod val="350000"/>
+              </a:schemeClr>
+            </a:gs>
+            <a:gs pos="40000">
+              <a:schemeClr val="phClr">
+                <a:tint val="45000"/>
+                <a:shade val="99000"/>
+                <a:satMod val="350000"/>
+              </a:schemeClr>
+            </a:gs>
+            <a:gs pos="100000">
+              <a:schemeClr val="phClr">
+                <a:shade val="20000"/>
+                <a:satMod val="255000"/>
+              </a:schemeClr>
+            </a:gs>
+          </a:gsLst>
+          <a:path path="circle">
+            <a:fillToRect l="50000" t="-80000" r="50000" b="180000"/>
+          </a:path>
+        </a:gradFill>
+        <a:gradFill rotWithShape="1">
+          <a:gsLst>
+            <a:gs pos="0">
+              <a:schemeClr val="phClr">
+                <a:tint val="80000"/>
+                <a:satMod val="300000"/>
+              </a:schemeClr>
+            </a:gs>
+            <a:gs pos="100000">
+              <a:schemeClr val="phClr">
+                <a:shade val="30000"/>
+                <a:satMod val="200000"/>
+              </a:schemeClr>
+            </a:gs>
+          </a:gsLst>
+          <a:path path="circle">
+            <a:fillToRect l="50000" t="50000" r="50000" b="50000"/>
+          </a:path>
+        </a:gradFill>
+      </a:bgFillStyleLst>
+    </a:fmtScheme>
+  </a:themeElements>
+</a:theme>
+</file>
+
+<file path=ppt/theme/theme2.xml><?xml version="1.0" encoding="utf-8"?>
 <a:theme xmlns:a="http://schemas.openxmlformats.org/drawingml/2006/main" xmlns:r="http://schemas.openxmlformats.org/officeDocument/2006/relationships">
   <a:themeElements>
     <a:clrScheme name="Default">
@@ -7988,283 +8267,4 @@
     </a:fmtScheme>
   </a:themeElements>
 </a:theme>
-</file>
-
-<file path=ppt/theme/theme2.xml><?xml version="1.0" encoding="utf-8"?>
-<a:theme xmlns:a="http://schemas.openxmlformats.org/drawingml/2006/main" xmlns:r="http://schemas.openxmlformats.org/officeDocument/2006/relationships" name="Simple Dark">
-  <a:themeElements>
-    <a:clrScheme name="Simple Dark">
-      <a:dk1>
-        <a:srgbClr val="FFFFFF"/>
-      </a:dk1>
-      <a:lt1>
-        <a:srgbClr val="212121"/>
-      </a:lt1>
-      <a:dk2>
-        <a:srgbClr val="303030"/>
-      </a:dk2>
-      <a:lt2>
-        <a:srgbClr val="ADADAD"/>
-      </a:lt2>
-      <a:accent1>
-        <a:srgbClr val="009688"/>
-      </a:accent1>
-      <a:accent2>
-        <a:srgbClr val="EEEEEE"/>
-      </a:accent2>
-      <a:accent3>
-        <a:srgbClr val="78909C"/>
-      </a:accent3>
-      <a:accent4>
-        <a:srgbClr val="FFAB40"/>
-      </a:accent4>
-      <a:accent5>
-        <a:srgbClr val="4DD0E1"/>
-      </a:accent5>
-      <a:accent6>
-        <a:srgbClr val="EEFF41"/>
-      </a:accent6>
-      <a:hlink>
-        <a:srgbClr val="4DD0E1"/>
-      </a:hlink>
-      <a:folHlink>
-        <a:srgbClr val="4DD0E1"/>
-      </a:folHlink>
-    </a:clrScheme>
-    <a:fontScheme name="Office">
-      <a:majorFont>
-        <a:latin typeface="Arial"/>
-        <a:ea typeface=""/>
-        <a:cs typeface=""/>
-        <a:font script="Jpan" typeface="ＭＳ Ｐゴシック"/>
-        <a:font script="Hang" typeface="맑은 고딕"/>
-        <a:font script="Hans" typeface="宋体"/>
-        <a:font script="Hant" typeface="新細明體"/>
-        <a:font script="Arab" typeface="Times New Roman"/>
-        <a:font script="Hebr" typeface="Times New Roman"/>
-        <a:font script="Thai" typeface="Angsana New"/>
-        <a:font script="Ethi" typeface="Nyala"/>
-        <a:font script="Beng" typeface="Vrinda"/>
-        <a:font script="Gujr" typeface="Shruti"/>
-        <a:font script="Khmr" typeface="MoolBoran"/>
-        <a:font script="Knda" typeface="Tunga"/>
-        <a:font script="Guru" typeface="Raavi"/>
-        <a:font script="Cans" typeface="Euphemia"/>
-        <a:font script="Cher" typeface="Plantagenet Cherokee"/>
-        <a:font script="Yiii" typeface="Microsoft Yi Baiti"/>
-        <a:font script="Tibt" typeface="Microsoft Himalaya"/>
-        <a:font script="Thaa" typeface="MV Boli"/>
-        <a:font script="Deva" typeface="Mangal"/>
-        <a:font script="Telu" typeface="Gautami"/>
-        <a:font script="Taml" typeface="Latha"/>
-        <a:font script="Syrc" typeface="Estrangelo Edessa"/>
-        <a:font script="Orya" typeface="Kalinga"/>
-        <a:font script="Mlym" typeface="Kartika"/>
-        <a:font script="Laoo" typeface="DokChampa"/>
-        <a:font script="Sinh" typeface="Iskoola Pota"/>
-        <a:font script="Mong" typeface="Mongolian Baiti"/>
-        <a:font script="Viet" typeface="Times New Roman"/>
-        <a:font script="Uigh" typeface="Microsoft Uighur"/>
-        <a:font script="Geor" typeface="Sylfaen"/>
-      </a:majorFont>
-      <a:minorFont>
-        <a:latin typeface="Arial"/>
-        <a:ea typeface=""/>
-        <a:cs typeface=""/>
-        <a:font script="Jpan" typeface="ＭＳ Ｐゴシック"/>
-        <a:font script="Hang" typeface="맑은 고딕"/>
-        <a:font script="Hans" typeface="宋体"/>
-        <a:font script="Hant" typeface="新細明體"/>
-        <a:font script="Arab" typeface="Arial"/>
-        <a:font script="Hebr" typeface="Arial"/>
-        <a:font script="Thai" typeface="Cordia New"/>
-        <a:font script="Ethi" typeface="Nyala"/>
-        <a:font script="Beng" typeface="Vrinda"/>
-        <a:font script="Gujr" typeface="Shruti"/>
-        <a:font script="Khmr" typeface="DaunPenh"/>
-        <a:font script="Knda" typeface="Tunga"/>
-        <a:font script="Guru" typeface="Raavi"/>
-        <a:font script="Cans" typeface="Euphemia"/>
-        <a:font script="Cher" typeface="Plantagenet Cherokee"/>
-        <a:font script="Yiii" typeface="Microsoft Yi Baiti"/>
-        <a:font script="Tibt" typeface="Microsoft Himalaya"/>
-        <a:font script="Thaa" typeface="MV Boli"/>
-        <a:font script="Deva" typeface="Mangal"/>
-        <a:font script="Telu" typeface="Gautami"/>
-        <a:font script="Taml" typeface="Latha"/>
-        <a:font script="Syrc" typeface="Estrangelo Edessa"/>
-        <a:font script="Orya" typeface="Kalinga"/>
-        <a:font script="Mlym" typeface="Kartika"/>
-        <a:font script="Laoo" typeface="DokChampa"/>
-        <a:font script="Sinh" typeface="Iskoola Pota"/>
-        <a:font script="Mong" typeface="Mongolian Baiti"/>
-        <a:font script="Viet" typeface="Arial"/>
-        <a:font script="Uigh" typeface="Microsoft Uighur"/>
-        <a:font script="Geor" typeface="Sylfaen"/>
-      </a:minorFont>
-    </a:fontScheme>
-    <a:fmtScheme name="Office">
-      <a:fillStyleLst>
-        <a:solidFill>
-          <a:schemeClr val="phClr"/>
-        </a:solidFill>
-        <a:gradFill rotWithShape="1">
-          <a:gsLst>
-            <a:gs pos="0">
-              <a:schemeClr val="phClr">
-                <a:tint val="50000"/>
-                <a:satMod val="300000"/>
-              </a:schemeClr>
-            </a:gs>
-            <a:gs pos="35000">
-              <a:schemeClr val="phClr">
-                <a:tint val="37000"/>
-                <a:satMod val="300000"/>
-              </a:schemeClr>
-            </a:gs>
-            <a:gs pos="100000">
-              <a:schemeClr val="phClr">
-                <a:tint val="15000"/>
-                <a:satMod val="350000"/>
-              </a:schemeClr>
-            </a:gs>
-          </a:gsLst>
-          <a:lin ang="16200000" scaled="1"/>
-        </a:gradFill>
-        <a:gradFill rotWithShape="1">
-          <a:gsLst>
-            <a:gs pos="0">
-              <a:schemeClr val="phClr">
-                <a:tint val="100000"/>
-                <a:shade val="100000"/>
-                <a:satMod val="130000"/>
-              </a:schemeClr>
-            </a:gs>
-            <a:gs pos="100000">
-              <a:schemeClr val="phClr">
-                <a:tint val="50000"/>
-                <a:shade val="100000"/>
-                <a:satMod val="350000"/>
-              </a:schemeClr>
-            </a:gs>
-          </a:gsLst>
-          <a:lin ang="16200000" scaled="0"/>
-        </a:gradFill>
-      </a:fillStyleLst>
-      <a:lnStyleLst>
-        <a:ln w="9525" cap="flat" cmpd="sng" algn="ctr">
-          <a:solidFill>
-            <a:schemeClr val="phClr">
-              <a:shade val="95000"/>
-              <a:satMod val="105000"/>
-            </a:schemeClr>
-          </a:solidFill>
-          <a:prstDash val="solid"/>
-        </a:ln>
-        <a:ln w="25400" cap="flat" cmpd="sng" algn="ctr">
-          <a:solidFill>
-            <a:schemeClr val="phClr"/>
-          </a:solidFill>
-          <a:prstDash val="solid"/>
-        </a:ln>
-        <a:ln w="38100" cap="flat" cmpd="sng" algn="ctr">
-          <a:solidFill>
-            <a:schemeClr val="phClr"/>
-          </a:solidFill>
-          <a:prstDash val="solid"/>
-        </a:ln>
-      </a:lnStyleLst>
-      <a:effectStyleLst>
-        <a:effectStyle>
-          <a:effectLst>
-            <a:outerShdw blurRad="40000" dist="20000" dir="5400000" rotWithShape="0">
-              <a:srgbClr val="000000">
-                <a:alpha val="38000"/>
-              </a:srgbClr>
-            </a:outerShdw>
-          </a:effectLst>
-        </a:effectStyle>
-        <a:effectStyle>
-          <a:effectLst>
-            <a:outerShdw blurRad="40000" dist="23000" dir="5400000" rotWithShape="0">
-              <a:srgbClr val="000000">
-                <a:alpha val="35000"/>
-              </a:srgbClr>
-            </a:outerShdw>
-          </a:effectLst>
-        </a:effectStyle>
-        <a:effectStyle>
-          <a:effectLst>
-            <a:outerShdw blurRad="40000" dist="23000" dir="5400000" rotWithShape="0">
-              <a:srgbClr val="000000">
-                <a:alpha val="35000"/>
-              </a:srgbClr>
-            </a:outerShdw>
-          </a:effectLst>
-          <a:scene3d>
-            <a:camera prst="orthographicFront">
-              <a:rot lat="0" lon="0" rev="0"/>
-            </a:camera>
-            <a:lightRig rig="threePt" dir="t">
-              <a:rot lat="0" lon="0" rev="1200000"/>
-            </a:lightRig>
-          </a:scene3d>
-          <a:sp3d>
-            <a:bevelT w="63500" h="25400"/>
-          </a:sp3d>
-        </a:effectStyle>
-      </a:effectStyleLst>
-      <a:bgFillStyleLst>
-        <a:solidFill>
-          <a:schemeClr val="phClr"/>
-        </a:solidFill>
-        <a:gradFill rotWithShape="1">
-          <a:gsLst>
-            <a:gs pos="0">
-              <a:schemeClr val="phClr">
-                <a:tint val="40000"/>
-                <a:satMod val="350000"/>
-              </a:schemeClr>
-            </a:gs>
-            <a:gs pos="40000">
-              <a:schemeClr val="phClr">
-                <a:tint val="45000"/>
-                <a:shade val="99000"/>
-                <a:satMod val="350000"/>
-              </a:schemeClr>
-            </a:gs>
-            <a:gs pos="100000">
-              <a:schemeClr val="phClr">
-                <a:shade val="20000"/>
-                <a:satMod val="255000"/>
-              </a:schemeClr>
-            </a:gs>
-          </a:gsLst>
-          <a:path path="circle">
-            <a:fillToRect l="50000" t="-80000" r="50000" b="180000"/>
-          </a:path>
-        </a:gradFill>
-        <a:gradFill rotWithShape="1">
-          <a:gsLst>
-            <a:gs pos="0">
-              <a:schemeClr val="phClr">
-                <a:tint val="80000"/>
-                <a:satMod val="300000"/>
-              </a:schemeClr>
-            </a:gs>
-            <a:gs pos="100000">
-              <a:schemeClr val="phClr">
-                <a:shade val="30000"/>
-                <a:satMod val="200000"/>
-              </a:schemeClr>
-            </a:gs>
-          </a:gsLst>
-          <a:path path="circle">
-            <a:fillToRect l="50000" t="50000" r="50000" b="50000"/>
-          </a:path>
-        </a:gradFill>
-      </a:bgFillStyleLst>
-    </a:fmtScheme>
-  </a:themeElements>
-</a:theme>
 </file>
--- a/Project 1 Slide.pptx
+++ b/Project 1 Slide.pptx
@@ -14,6 +14,8 @@
     <p:sldId id="259" r:id="rId10"/>
     <p:sldId id="260" r:id="rId11"/>
     <p:sldId id="261" r:id="rId12"/>
+    <p:sldId id="262" r:id="rId13"/>
+    <p:sldId id="263" r:id="rId14"/>
   </p:sldIdLst>
   <p:sldSz cy="5143500" cx="9144000"/>
   <p:notesSz cx="6858000" cy="9144000"/>
@@ -1241,6 +1243,204 @@
       <p:sp>
         <p:nvSpPr>
           <p:cNvPr id="84" name="Google Shape;84;g39c60f985e4_2_0:notes"/>
+          <p:cNvSpPr txBox="1"/>
+          <p:nvPr>
+            <p:ph idx="1" type="body"/>
+          </p:nvPr>
+        </p:nvSpPr>
+        <p:spPr>
+          <a:xfrm>
+            <a:off x="685800" y="4343400"/>
+            <a:ext cx="5486400" cy="4114800"/>
+          </a:xfrm>
+          <a:prstGeom prst="rect">
+            <a:avLst/>
+          </a:prstGeom>
+        </p:spPr>
+        <p:txBody>
+          <a:bodyPr anchorCtr="0" anchor="t" bIns="91425" lIns="91425" spcFirstLastPara="1" rIns="91425" wrap="square" tIns="91425">
+            <a:noAutofit/>
+          </a:bodyPr>
+          <a:lstStyle/>
+          <a:p>
+            <a:pPr indent="0" lvl="0" marL="0" rtl="0" algn="l">
+              <a:spcBef>
+                <a:spcPts val="0"/>
+              </a:spcBef>
+              <a:spcAft>
+                <a:spcPts val="0"/>
+              </a:spcAft>
+              <a:buNone/>
+            </a:pPr>
+            <a:r>
+              <a:t/>
+            </a:r>
+            <a:endParaRPr/>
+          </a:p>
+        </p:txBody>
+      </p:sp>
+    </p:spTree>
+  </p:cSld>
+  <p:clrMapOvr>
+    <a:masterClrMapping/>
+  </p:clrMapOvr>
+</p:notes>
+</file>
+
+<file path=ppt/notesSlides/notesSlide7.xml><?xml version="1.0" encoding="utf-8"?>
+<p:notes xmlns:a="http://schemas.openxmlformats.org/drawingml/2006/main" xmlns:r="http://schemas.openxmlformats.org/officeDocument/2006/relationships" xmlns:mc="http://schemas.openxmlformats.org/markup-compatibility/2006" xmlns:mv="urn:schemas-microsoft-com:mac:vml" xmlns:p="http://schemas.openxmlformats.org/presentationml/2006/main" xmlns:c="http://schemas.openxmlformats.org/drawingml/2006/chart" xmlns:dgm="http://schemas.openxmlformats.org/drawingml/2006/diagram" xmlns:o="urn:schemas-microsoft-com:office:office" xmlns:v="urn:schemas-microsoft-com:vml" xmlns:pvml="urn:schemas-microsoft-com:office:powerpoint" xmlns:com="http://schemas.openxmlformats.org/drawingml/2006/compatibility" xmlns:p14="http://schemas.microsoft.com/office/powerpoint/2010/main" xmlns:p15="http://schemas.microsoft.com/office/powerpoint/2012/main" xmlns:ahyp="http://schemas.microsoft.com/office/drawing/2018/hyperlinkcolor" showMasterPhAnim="0" showMasterSp="0">
+  <p:cSld>
+    <p:spTree>
+      <p:nvGrpSpPr>
+        <p:cNvPr id="88" name="Shape 88"/>
+        <p:cNvGrpSpPr/>
+        <p:nvPr/>
+      </p:nvGrpSpPr>
+      <p:grpSpPr>
+        <a:xfrm>
+          <a:off x="0" y="0"/>
+          <a:ext cx="0" cy="0"/>
+          <a:chOff x="0" y="0"/>
+          <a:chExt cx="0" cy="0"/>
+        </a:xfrm>
+      </p:grpSpPr>
+      <p:sp>
+        <p:nvSpPr>
+          <p:cNvPr id="89" name="Google Shape;89;g3aed2c70b24_0_0:notes"/>
+          <p:cNvSpPr/>
+          <p:nvPr>
+            <p:ph idx="2" type="sldImg"/>
+          </p:nvPr>
+        </p:nvSpPr>
+        <p:spPr>
+          <a:xfrm>
+            <a:off x="381300" y="685800"/>
+            <a:ext cx="6096000" cy="3429000"/>
+          </a:xfrm>
+          <a:custGeom>
+            <a:rect b="b" l="l" r="r" t="t"/>
+            <a:pathLst>
+              <a:path extrusionOk="0" h="120000" w="120000">
+                <a:moveTo>
+                  <a:pt x="0" y="0"/>
+                </a:moveTo>
+                <a:lnTo>
+                  <a:pt x="120000" y="0"/>
+                </a:lnTo>
+                <a:lnTo>
+                  <a:pt x="120000" y="120000"/>
+                </a:lnTo>
+                <a:lnTo>
+                  <a:pt x="0" y="120000"/>
+                </a:lnTo>
+                <a:close/>
+              </a:path>
+            </a:pathLst>
+          </a:custGeom>
+        </p:spPr>
+      </p:sp>
+      <p:sp>
+        <p:nvSpPr>
+          <p:cNvPr id="90" name="Google Shape;90;g3aed2c70b24_0_0:notes"/>
+          <p:cNvSpPr txBox="1"/>
+          <p:nvPr>
+            <p:ph idx="1" type="body"/>
+          </p:nvPr>
+        </p:nvSpPr>
+        <p:spPr>
+          <a:xfrm>
+            <a:off x="685800" y="4343400"/>
+            <a:ext cx="5486400" cy="4114800"/>
+          </a:xfrm>
+          <a:prstGeom prst="rect">
+            <a:avLst/>
+          </a:prstGeom>
+        </p:spPr>
+        <p:txBody>
+          <a:bodyPr anchorCtr="0" anchor="t" bIns="91425" lIns="91425" spcFirstLastPara="1" rIns="91425" wrap="square" tIns="91425">
+            <a:noAutofit/>
+          </a:bodyPr>
+          <a:lstStyle/>
+          <a:p>
+            <a:pPr indent="0" lvl="0" marL="0" rtl="0" algn="l">
+              <a:spcBef>
+                <a:spcPts val="0"/>
+              </a:spcBef>
+              <a:spcAft>
+                <a:spcPts val="0"/>
+              </a:spcAft>
+              <a:buNone/>
+            </a:pPr>
+            <a:r>
+              <a:t/>
+            </a:r>
+            <a:endParaRPr/>
+          </a:p>
+        </p:txBody>
+      </p:sp>
+    </p:spTree>
+  </p:cSld>
+  <p:clrMapOvr>
+    <a:masterClrMapping/>
+  </p:clrMapOvr>
+</p:notes>
+</file>
+
+<file path=ppt/notesSlides/notesSlide8.xml><?xml version="1.0" encoding="utf-8"?>
+<p:notes xmlns:a="http://schemas.openxmlformats.org/drawingml/2006/main" xmlns:r="http://schemas.openxmlformats.org/officeDocument/2006/relationships" xmlns:mc="http://schemas.openxmlformats.org/markup-compatibility/2006" xmlns:mv="urn:schemas-microsoft-com:mac:vml" xmlns:p="http://schemas.openxmlformats.org/presentationml/2006/main" xmlns:c="http://schemas.openxmlformats.org/drawingml/2006/chart" xmlns:dgm="http://schemas.openxmlformats.org/drawingml/2006/diagram" xmlns:o="urn:schemas-microsoft-com:office:office" xmlns:v="urn:schemas-microsoft-com:vml" xmlns:pvml="urn:schemas-microsoft-com:office:powerpoint" xmlns:com="http://schemas.openxmlformats.org/drawingml/2006/compatibility" xmlns:p14="http://schemas.microsoft.com/office/powerpoint/2010/main" xmlns:p15="http://schemas.microsoft.com/office/powerpoint/2012/main" xmlns:ahyp="http://schemas.microsoft.com/office/drawing/2018/hyperlinkcolor" showMasterPhAnim="0" showMasterSp="0">
+  <p:cSld>
+    <p:spTree>
+      <p:nvGrpSpPr>
+        <p:cNvPr id="94" name="Shape 94"/>
+        <p:cNvGrpSpPr/>
+        <p:nvPr/>
+      </p:nvGrpSpPr>
+      <p:grpSpPr>
+        <a:xfrm>
+          <a:off x="0" y="0"/>
+          <a:ext cx="0" cy="0"/>
+          <a:chOff x="0" y="0"/>
+          <a:chExt cx="0" cy="0"/>
+        </a:xfrm>
+      </p:grpSpPr>
+      <p:sp>
+        <p:nvSpPr>
+          <p:cNvPr id="95" name="Google Shape;95;g3aed2c70b24_0_5:notes"/>
+          <p:cNvSpPr/>
+          <p:nvPr>
+            <p:ph idx="2" type="sldImg"/>
+          </p:nvPr>
+        </p:nvSpPr>
+        <p:spPr>
+          <a:xfrm>
+            <a:off x="381300" y="685800"/>
+            <a:ext cx="6096000" cy="3429000"/>
+          </a:xfrm>
+          <a:custGeom>
+            <a:rect b="b" l="l" r="r" t="t"/>
+            <a:pathLst>
+              <a:path extrusionOk="0" h="120000" w="120000">
+                <a:moveTo>
+                  <a:pt x="0" y="0"/>
+                </a:moveTo>
+                <a:lnTo>
+                  <a:pt x="120000" y="0"/>
+                </a:lnTo>
+                <a:lnTo>
+                  <a:pt x="120000" y="120000"/>
+                </a:lnTo>
+                <a:lnTo>
+                  <a:pt x="0" y="120000"/>
+                </a:lnTo>
+                <a:close/>
+              </a:path>
+            </a:pathLst>
+          </a:custGeom>
+        </p:spPr>
+      </p:sp>
+      <p:sp>
+        <p:nvSpPr>
+          <p:cNvPr id="96" name="Google Shape;96;g3aed2c70b24_0_5:notes"/>
           <p:cNvSpPr txBox="1"/>
           <p:nvPr>
             <p:ph idx="1" type="body"/>
@@ -6311,7 +6511,7 @@
         </p:nvSpPr>
         <p:spPr>
           <a:xfrm>
-            <a:off x="311700" y="1152475"/>
+            <a:off x="247525" y="1152475"/>
             <a:ext cx="8520600" cy="3416400"/>
           </a:xfrm>
           <a:prstGeom prst="rect">
@@ -6347,7 +6547,7 @@
           <p:nvPr/>
         </p:nvGraphicFramePr>
         <p:xfrm>
-          <a:off x="1600200" y="1755775"/>
+          <a:off x="1536025" y="1540088"/>
           <a:ext cx="3000000" cy="3000000"/>
         </p:xfrm>
         <a:graphic>
@@ -6355,13 +6555,13 @@
             <a:tbl>
               <a:tblPr>
                 <a:noFill/>
-                <a:tableStyleId>{03A701B3-09FE-4917-9E24-C1A1678905EC}</a:tableStyleId>
+                <a:tableStyleId>{9403EF7A-4003-4D6F-AF9E-8177342DBC59}</a:tableStyleId>
               </a:tblPr>
               <a:tblGrid>
                 <a:gridCol w="2971800"/>
                 <a:gridCol w="2971800"/>
               </a:tblGrid>
-              <a:tr h="357475">
+              <a:tr h="597050">
                 <a:tc>
                   <a:txBody>
                     <a:bodyPr/>
@@ -6377,14 +6577,14 @@
                         <a:buNone/>
                       </a:pPr>
                       <a:r>
-                        <a:rPr b="1" lang="en" sz="1600">
+                        <a:rPr b="1" lang="en" sz="2400">
                           <a:solidFill>
                             <a:schemeClr val="dk1"/>
                           </a:solidFill>
                         </a:rPr>
                         <a:t>Actor</a:t>
                       </a:r>
-                      <a:endParaRPr b="1" sz="1600">
+                      <a:endParaRPr b="1" sz="2400">
                         <a:solidFill>
                           <a:schemeClr val="dk1"/>
                         </a:solidFill>
@@ -6445,14 +6645,14 @@
                         <a:buNone/>
                       </a:pPr>
                       <a:r>
-                        <a:rPr b="1" lang="en" sz="1600">
+                        <a:rPr b="1" lang="en" sz="2400">
                           <a:solidFill>
                             <a:schemeClr val="dk1"/>
                           </a:solidFill>
                         </a:rPr>
                         <a:t>Responsibility</a:t>
                       </a:r>
-                      <a:endParaRPr b="1" sz="1600">
+                      <a:endParaRPr b="1" sz="2400">
                         <a:solidFill>
                           <a:schemeClr val="dk1"/>
                         </a:solidFill>
@@ -6499,7 +6699,7 @@
                   </a:tcPr>
                 </a:tc>
               </a:tr>
-              <a:tr h="12700">
+              <a:tr h="748850">
                 <a:tc>
                   <a:txBody>
                     <a:bodyPr/>
@@ -6515,14 +6715,14 @@
                         <a:buNone/>
                       </a:pPr>
                       <a:r>
-                        <a:rPr b="1" lang="en" sz="1100">
+                        <a:rPr lang="en" sz="1800">
                           <a:solidFill>
                             <a:schemeClr val="dk1"/>
                           </a:solidFill>
                         </a:rPr>
                         <a:t>Customer</a:t>
                       </a:r>
-                      <a:endParaRPr b="1" sz="1100">
+                      <a:endParaRPr sz="1800">
                         <a:solidFill>
                           <a:schemeClr val="dk1"/>
                         </a:solidFill>
@@ -6583,14 +6783,14 @@
                         <a:buNone/>
                       </a:pPr>
                       <a:r>
-                        <a:rPr lang="en" sz="1100">
+                        <a:rPr lang="en" sz="1300">
                           <a:solidFill>
                             <a:schemeClr val="dk1"/>
                           </a:solidFill>
                         </a:rPr>
                         <a:t>Browse and search products, create and pay for orders, and request refunds.</a:t>
                       </a:r>
-                      <a:endParaRPr sz="1100">
+                      <a:endParaRPr sz="1300">
                         <a:solidFill>
                           <a:schemeClr val="dk1"/>
                         </a:solidFill>
@@ -6637,7 +6837,7 @@
                   </a:tcPr>
                 </a:tc>
               </a:tr>
-              <a:tr h="12700">
+              <a:tr h="1295275">
                 <a:tc>
                   <a:txBody>
                     <a:bodyPr/>
@@ -6653,14 +6853,14 @@
                         <a:buNone/>
                       </a:pPr>
                       <a:r>
-                        <a:rPr b="1" lang="en" sz="1100">
+                        <a:rPr lang="en" sz="1800">
                           <a:solidFill>
                             <a:schemeClr val="dk1"/>
                           </a:solidFill>
                         </a:rPr>
-                        <a:t>Catalog Admin</a:t>
+                        <a:t>General Admin</a:t>
                       </a:r>
-                      <a:endParaRPr b="1" sz="1100">
+                      <a:endParaRPr sz="1800">
                         <a:solidFill>
                           <a:schemeClr val="dk1"/>
                         </a:solidFill>
@@ -6721,428 +6921,14 @@
                         <a:buNone/>
                       </a:pPr>
                       <a:r>
-                        <a:rPr lang="en" sz="1100">
+                        <a:rPr lang="en" sz="1300">
                           <a:solidFill>
                             <a:schemeClr val="dk1"/>
                           </a:solidFill>
                         </a:rPr>
-                        <a:t>Manage product and category data, handle refunds.</a:t>
+                        <a:t>Manage product and category data, handle refunds, Fulfill orders and update shipment status, View and analyze sales reports, Process and confirm customer payments.</a:t>
                       </a:r>
-                      <a:endParaRPr sz="1100">
-                        <a:solidFill>
-                          <a:schemeClr val="dk1"/>
-                        </a:solidFill>
-                      </a:endParaRPr>
-                    </a:p>
-                  </a:txBody>
-                  <a:tcPr marT="63500" marB="63500" marR="63500" marL="63500">
-                    <a:lnL cap="flat" cmpd="sng" w="12700">
-                      <a:solidFill>
-                        <a:schemeClr val="dk1"/>
-                      </a:solidFill>
-                      <a:prstDash val="solid"/>
-                      <a:round/>
-                      <a:headEnd len="sm" w="sm" type="none"/>
-                      <a:tailEnd len="sm" w="sm" type="none"/>
-                    </a:lnL>
-                    <a:lnR cap="flat" cmpd="sng" w="12700">
-                      <a:solidFill>
-                        <a:schemeClr val="dk1"/>
-                      </a:solidFill>
-                      <a:prstDash val="solid"/>
-                      <a:round/>
-                      <a:headEnd len="sm" w="sm" type="none"/>
-                      <a:tailEnd len="sm" w="sm" type="none"/>
-                    </a:lnR>
-                    <a:lnT cap="flat" cmpd="sng" w="12700">
-                      <a:solidFill>
-                        <a:schemeClr val="dk1"/>
-                      </a:solidFill>
-                      <a:prstDash val="solid"/>
-                      <a:round/>
-                      <a:headEnd len="sm" w="sm" type="none"/>
-                      <a:tailEnd len="sm" w="sm" type="none"/>
-                    </a:lnT>
-                    <a:lnB cap="flat" cmpd="sng" w="12700">
-                      <a:solidFill>
-                        <a:schemeClr val="dk1"/>
-                      </a:solidFill>
-                      <a:prstDash val="solid"/>
-                      <a:round/>
-                      <a:headEnd len="sm" w="sm" type="none"/>
-                      <a:tailEnd len="sm" w="sm" type="none"/>
-                    </a:lnB>
-                  </a:tcPr>
-                </a:tc>
-              </a:tr>
-              <a:tr h="12700">
-                <a:tc>
-                  <a:txBody>
-                    <a:bodyPr/>
-                    <a:lstStyle/>
-                    <a:p>
-                      <a:pPr indent="0" lvl="0" marL="0" rtl="0" algn="l">
-                        <a:spcBef>
-                          <a:spcPts val="0"/>
-                        </a:spcBef>
-                        <a:spcAft>
-                          <a:spcPts val="0"/>
-                        </a:spcAft>
-                        <a:buNone/>
-                      </a:pPr>
-                      <a:r>
-                        <a:rPr b="1" lang="en" sz="1100">
-                          <a:solidFill>
-                            <a:schemeClr val="dk1"/>
-                          </a:solidFill>
-                        </a:rPr>
-                        <a:t>Warehouse Staff</a:t>
-                      </a:r>
-                      <a:endParaRPr b="1" sz="1100">
-                        <a:solidFill>
-                          <a:schemeClr val="dk1"/>
-                        </a:solidFill>
-                      </a:endParaRPr>
-                    </a:p>
-                  </a:txBody>
-                  <a:tcPr marT="63500" marB="63500" marR="63500" marL="63500">
-                    <a:lnL cap="flat" cmpd="sng" w="12700">
-                      <a:solidFill>
-                        <a:schemeClr val="dk1"/>
-                      </a:solidFill>
-                      <a:prstDash val="solid"/>
-                      <a:round/>
-                      <a:headEnd len="sm" w="sm" type="none"/>
-                      <a:tailEnd len="sm" w="sm" type="none"/>
-                    </a:lnL>
-                    <a:lnR cap="flat" cmpd="sng" w="12700">
-                      <a:solidFill>
-                        <a:schemeClr val="dk1"/>
-                      </a:solidFill>
-                      <a:prstDash val="solid"/>
-                      <a:round/>
-                      <a:headEnd len="sm" w="sm" type="none"/>
-                      <a:tailEnd len="sm" w="sm" type="none"/>
-                    </a:lnR>
-                    <a:lnT cap="flat" cmpd="sng" w="12700">
-                      <a:solidFill>
-                        <a:schemeClr val="dk1"/>
-                      </a:solidFill>
-                      <a:prstDash val="solid"/>
-                      <a:round/>
-                      <a:headEnd len="sm" w="sm" type="none"/>
-                      <a:tailEnd len="sm" w="sm" type="none"/>
-                    </a:lnT>
-                    <a:lnB cap="flat" cmpd="sng" w="12700">
-                      <a:solidFill>
-                        <a:schemeClr val="dk1"/>
-                      </a:solidFill>
-                      <a:prstDash val="solid"/>
-                      <a:round/>
-                      <a:headEnd len="sm" w="sm" type="none"/>
-                      <a:tailEnd len="sm" w="sm" type="none"/>
-                    </a:lnB>
-                  </a:tcPr>
-                </a:tc>
-                <a:tc>
-                  <a:txBody>
-                    <a:bodyPr/>
-                    <a:lstStyle/>
-                    <a:p>
-                      <a:pPr indent="0" lvl="0" marL="0" rtl="0" algn="l">
-                        <a:spcBef>
-                          <a:spcPts val="0"/>
-                        </a:spcBef>
-                        <a:spcAft>
-                          <a:spcPts val="0"/>
-                        </a:spcAft>
-                        <a:buNone/>
-                      </a:pPr>
-                      <a:r>
-                        <a:rPr lang="en" sz="1100">
-                          <a:solidFill>
-                            <a:schemeClr val="dk1"/>
-                          </a:solidFill>
-                        </a:rPr>
-                        <a:t>Fulfill orders and update shipment status.</a:t>
-                      </a:r>
-                      <a:endParaRPr sz="1100">
-                        <a:solidFill>
-                          <a:schemeClr val="dk1"/>
-                        </a:solidFill>
-                      </a:endParaRPr>
-                    </a:p>
-                  </a:txBody>
-                  <a:tcPr marT="63500" marB="63500" marR="63500" marL="63500">
-                    <a:lnL cap="flat" cmpd="sng" w="12700">
-                      <a:solidFill>
-                        <a:schemeClr val="dk1"/>
-                      </a:solidFill>
-                      <a:prstDash val="solid"/>
-                      <a:round/>
-                      <a:headEnd len="sm" w="sm" type="none"/>
-                      <a:tailEnd len="sm" w="sm" type="none"/>
-                    </a:lnL>
-                    <a:lnR cap="flat" cmpd="sng" w="12700">
-                      <a:solidFill>
-                        <a:schemeClr val="dk1"/>
-                      </a:solidFill>
-                      <a:prstDash val="solid"/>
-                      <a:round/>
-                      <a:headEnd len="sm" w="sm" type="none"/>
-                      <a:tailEnd len="sm" w="sm" type="none"/>
-                    </a:lnR>
-                    <a:lnT cap="flat" cmpd="sng" w="12700">
-                      <a:solidFill>
-                        <a:schemeClr val="dk1"/>
-                      </a:solidFill>
-                      <a:prstDash val="solid"/>
-                      <a:round/>
-                      <a:headEnd len="sm" w="sm" type="none"/>
-                      <a:tailEnd len="sm" w="sm" type="none"/>
-                    </a:lnT>
-                    <a:lnB cap="flat" cmpd="sng" w="12700">
-                      <a:solidFill>
-                        <a:schemeClr val="dk1"/>
-                      </a:solidFill>
-                      <a:prstDash val="solid"/>
-                      <a:round/>
-                      <a:headEnd len="sm" w="sm" type="none"/>
-                      <a:tailEnd len="sm" w="sm" type="none"/>
-                    </a:lnB>
-                  </a:tcPr>
-                </a:tc>
-              </a:tr>
-              <a:tr h="12700">
-                <a:tc>
-                  <a:txBody>
-                    <a:bodyPr/>
-                    <a:lstStyle/>
-                    <a:p>
-                      <a:pPr indent="0" lvl="0" marL="0" rtl="0" algn="l">
-                        <a:spcBef>
-                          <a:spcPts val="0"/>
-                        </a:spcBef>
-                        <a:spcAft>
-                          <a:spcPts val="0"/>
-                        </a:spcAft>
-                        <a:buNone/>
-                      </a:pPr>
-                      <a:r>
-                        <a:rPr b="1" lang="en" sz="1100">
-                          <a:solidFill>
-                            <a:schemeClr val="dk1"/>
-                          </a:solidFill>
-                        </a:rPr>
-                        <a:t>Manager</a:t>
-                      </a:r>
-                      <a:endParaRPr b="1" sz="1100">
-                        <a:solidFill>
-                          <a:schemeClr val="dk1"/>
-                        </a:solidFill>
-                      </a:endParaRPr>
-                    </a:p>
-                  </a:txBody>
-                  <a:tcPr marT="63500" marB="63500" marR="63500" marL="63500">
-                    <a:lnL cap="flat" cmpd="sng" w="12700">
-                      <a:solidFill>
-                        <a:schemeClr val="dk1"/>
-                      </a:solidFill>
-                      <a:prstDash val="solid"/>
-                      <a:round/>
-                      <a:headEnd len="sm" w="sm" type="none"/>
-                      <a:tailEnd len="sm" w="sm" type="none"/>
-                    </a:lnL>
-                    <a:lnR cap="flat" cmpd="sng" w="12700">
-                      <a:solidFill>
-                        <a:schemeClr val="dk1"/>
-                      </a:solidFill>
-                      <a:prstDash val="solid"/>
-                      <a:round/>
-                      <a:headEnd len="sm" w="sm" type="none"/>
-                      <a:tailEnd len="sm" w="sm" type="none"/>
-                    </a:lnR>
-                    <a:lnT cap="flat" cmpd="sng" w="12700">
-                      <a:solidFill>
-                        <a:schemeClr val="dk1"/>
-                      </a:solidFill>
-                      <a:prstDash val="solid"/>
-                      <a:round/>
-                      <a:headEnd len="sm" w="sm" type="none"/>
-                      <a:tailEnd len="sm" w="sm" type="none"/>
-                    </a:lnT>
-                    <a:lnB cap="flat" cmpd="sng" w="12700">
-                      <a:solidFill>
-                        <a:schemeClr val="dk1"/>
-                      </a:solidFill>
-                      <a:prstDash val="solid"/>
-                      <a:round/>
-                      <a:headEnd len="sm" w="sm" type="none"/>
-                      <a:tailEnd len="sm" w="sm" type="none"/>
-                    </a:lnB>
-                  </a:tcPr>
-                </a:tc>
-                <a:tc>
-                  <a:txBody>
-                    <a:bodyPr/>
-                    <a:lstStyle/>
-                    <a:p>
-                      <a:pPr indent="0" lvl="0" marL="0" rtl="0" algn="l">
-                        <a:spcBef>
-                          <a:spcPts val="0"/>
-                        </a:spcBef>
-                        <a:spcAft>
-                          <a:spcPts val="0"/>
-                        </a:spcAft>
-                        <a:buNone/>
-                      </a:pPr>
-                      <a:r>
-                        <a:rPr lang="en" sz="1100">
-                          <a:solidFill>
-                            <a:schemeClr val="dk1"/>
-                          </a:solidFill>
-                        </a:rPr>
-                        <a:t>View and analyze sales reports.</a:t>
-                      </a:r>
-                      <a:endParaRPr sz="1100">
-                        <a:solidFill>
-                          <a:schemeClr val="dk1"/>
-                        </a:solidFill>
-                      </a:endParaRPr>
-                    </a:p>
-                  </a:txBody>
-                  <a:tcPr marT="63500" marB="63500" marR="63500" marL="63500">
-                    <a:lnL cap="flat" cmpd="sng" w="12700">
-                      <a:solidFill>
-                        <a:schemeClr val="dk1"/>
-                      </a:solidFill>
-                      <a:prstDash val="solid"/>
-                      <a:round/>
-                      <a:headEnd len="sm" w="sm" type="none"/>
-                      <a:tailEnd len="sm" w="sm" type="none"/>
-                    </a:lnL>
-                    <a:lnR cap="flat" cmpd="sng" w="12700">
-                      <a:solidFill>
-                        <a:schemeClr val="dk1"/>
-                      </a:solidFill>
-                      <a:prstDash val="solid"/>
-                      <a:round/>
-                      <a:headEnd len="sm" w="sm" type="none"/>
-                      <a:tailEnd len="sm" w="sm" type="none"/>
-                    </a:lnR>
-                    <a:lnT cap="flat" cmpd="sng" w="12700">
-                      <a:solidFill>
-                        <a:schemeClr val="dk1"/>
-                      </a:solidFill>
-                      <a:prstDash val="solid"/>
-                      <a:round/>
-                      <a:headEnd len="sm" w="sm" type="none"/>
-                      <a:tailEnd len="sm" w="sm" type="none"/>
-                    </a:lnT>
-                    <a:lnB cap="flat" cmpd="sng" w="12700">
-                      <a:solidFill>
-                        <a:schemeClr val="dk1"/>
-                      </a:solidFill>
-                      <a:prstDash val="solid"/>
-                      <a:round/>
-                      <a:headEnd len="sm" w="sm" type="none"/>
-                      <a:tailEnd len="sm" w="sm" type="none"/>
-                    </a:lnB>
-                  </a:tcPr>
-                </a:tc>
-              </a:tr>
-              <a:tr h="12700">
-                <a:tc>
-                  <a:txBody>
-                    <a:bodyPr/>
-                    <a:lstStyle/>
-                    <a:p>
-                      <a:pPr indent="0" lvl="0" marL="0" rtl="0" algn="l">
-                        <a:spcBef>
-                          <a:spcPts val="0"/>
-                        </a:spcBef>
-                        <a:spcAft>
-                          <a:spcPts val="0"/>
-                        </a:spcAft>
-                        <a:buNone/>
-                      </a:pPr>
-                      <a:r>
-                        <a:rPr b="1" lang="en" sz="1100">
-                          <a:solidFill>
-                            <a:schemeClr val="dk1"/>
-                          </a:solidFill>
-                        </a:rPr>
-                        <a:t>Payment Gateway</a:t>
-                      </a:r>
-                      <a:endParaRPr b="1" sz="1100">
-                        <a:solidFill>
-                          <a:schemeClr val="dk1"/>
-                        </a:solidFill>
-                      </a:endParaRPr>
-                    </a:p>
-                  </a:txBody>
-                  <a:tcPr marT="63500" marB="63500" marR="63500" marL="63500">
-                    <a:lnL cap="flat" cmpd="sng" w="12700">
-                      <a:solidFill>
-                        <a:schemeClr val="dk1"/>
-                      </a:solidFill>
-                      <a:prstDash val="solid"/>
-                      <a:round/>
-                      <a:headEnd len="sm" w="sm" type="none"/>
-                      <a:tailEnd len="sm" w="sm" type="none"/>
-                    </a:lnL>
-                    <a:lnR cap="flat" cmpd="sng" w="12700">
-                      <a:solidFill>
-                        <a:schemeClr val="dk1"/>
-                      </a:solidFill>
-                      <a:prstDash val="solid"/>
-                      <a:round/>
-                      <a:headEnd len="sm" w="sm" type="none"/>
-                      <a:tailEnd len="sm" w="sm" type="none"/>
-                    </a:lnR>
-                    <a:lnT cap="flat" cmpd="sng" w="12700">
-                      <a:solidFill>
-                        <a:schemeClr val="dk1"/>
-                      </a:solidFill>
-                      <a:prstDash val="solid"/>
-                      <a:round/>
-                      <a:headEnd len="sm" w="sm" type="none"/>
-                      <a:tailEnd len="sm" w="sm" type="none"/>
-                    </a:lnT>
-                    <a:lnB cap="flat" cmpd="sng" w="12700">
-                      <a:solidFill>
-                        <a:schemeClr val="dk1"/>
-                      </a:solidFill>
-                      <a:prstDash val="solid"/>
-                      <a:round/>
-                      <a:headEnd len="sm" w="sm" type="none"/>
-                      <a:tailEnd len="sm" w="sm" type="none"/>
-                    </a:lnB>
-                  </a:tcPr>
-                </a:tc>
-                <a:tc>
-                  <a:txBody>
-                    <a:bodyPr/>
-                    <a:lstStyle/>
-                    <a:p>
-                      <a:pPr indent="0" lvl="0" marL="0" rtl="0" algn="l">
-                        <a:spcBef>
-                          <a:spcPts val="0"/>
-                        </a:spcBef>
-                        <a:spcAft>
-                          <a:spcPts val="0"/>
-                        </a:spcAft>
-                        <a:buNone/>
-                      </a:pPr>
-                      <a:r>
-                        <a:rPr lang="en" sz="1100">
-                          <a:solidFill>
-                            <a:schemeClr val="dk1"/>
-                          </a:solidFill>
-                        </a:rPr>
-                        <a:t>Process and confirm customer payments.</a:t>
-                      </a:r>
-                      <a:endParaRPr sz="1100">
+                      <a:endParaRPr sz="1300">
                         <a:solidFill>
                           <a:schemeClr val="dk1"/>
                         </a:solidFill>
@@ -7703,6 +7489,375 @@
           </a:ln>
         </p:spPr>
       </p:pic>
+    </p:spTree>
+  </p:cSld>
+  <p:clrMapOvr>
+    <a:masterClrMapping/>
+  </p:clrMapOvr>
+</p:sld>
+</file>
+
+<file path=ppt/slides/slide7.xml><?xml version="1.0" encoding="utf-8"?>
+<p:sld xmlns:a="http://schemas.openxmlformats.org/drawingml/2006/main" xmlns:r="http://schemas.openxmlformats.org/officeDocument/2006/relationships" xmlns:mc="http://schemas.openxmlformats.org/markup-compatibility/2006" xmlns:mv="urn:schemas-microsoft-com:mac:vml" xmlns:p="http://schemas.openxmlformats.org/presentationml/2006/main" xmlns:c="http://schemas.openxmlformats.org/drawingml/2006/chart" xmlns:dgm="http://schemas.openxmlformats.org/drawingml/2006/diagram" xmlns:o="urn:schemas-microsoft-com:office:office" xmlns:v="urn:schemas-microsoft-com:vml" xmlns:pvml="urn:schemas-microsoft-com:office:powerpoint" xmlns:com="http://schemas.openxmlformats.org/drawingml/2006/compatibility" xmlns:p14="http://schemas.microsoft.com/office/powerpoint/2010/main" xmlns:p15="http://schemas.microsoft.com/office/powerpoint/2012/main" xmlns:ahyp="http://schemas.microsoft.com/office/drawing/2018/hyperlinkcolor">
+  <p:cSld>
+    <p:spTree>
+      <p:nvGrpSpPr>
+        <p:cNvPr id="91" name="Shape 91"/>
+        <p:cNvGrpSpPr/>
+        <p:nvPr/>
+      </p:nvGrpSpPr>
+      <p:grpSpPr>
+        <a:xfrm>
+          <a:off x="0" y="0"/>
+          <a:ext cx="0" cy="0"/>
+          <a:chOff x="0" y="0"/>
+          <a:chExt cx="0" cy="0"/>
+        </a:xfrm>
+      </p:grpSpPr>
+      <p:sp>
+        <p:nvSpPr>
+          <p:cNvPr id="92" name="Google Shape;92;p19"/>
+          <p:cNvSpPr txBox="1"/>
+          <p:nvPr>
+            <p:ph type="title"/>
+          </p:nvPr>
+        </p:nvSpPr>
+        <p:spPr>
+          <a:xfrm>
+            <a:off x="311700" y="445025"/>
+            <a:ext cx="8520600" cy="572700"/>
+          </a:xfrm>
+          <a:prstGeom prst="rect">
+            <a:avLst/>
+          </a:prstGeom>
+        </p:spPr>
+        <p:txBody>
+          <a:bodyPr anchorCtr="0" anchor="t" bIns="91425" lIns="91425" spcFirstLastPara="1" rIns="91425" wrap="square" tIns="91425">
+            <a:normAutofit fontScale="90000"/>
+          </a:bodyPr>
+          <a:lstStyle/>
+          <a:p>
+            <a:pPr indent="0" lvl="0" marL="0" rtl="0" algn="l">
+              <a:spcBef>
+                <a:spcPts val="0"/>
+              </a:spcBef>
+              <a:spcAft>
+                <a:spcPts val="0"/>
+              </a:spcAft>
+              <a:buNone/>
+            </a:pPr>
+            <a:r>
+              <a:rPr lang="en"/>
+              <a:t>Code Demo:</a:t>
+            </a:r>
+            <a:endParaRPr/>
+          </a:p>
+        </p:txBody>
+      </p:sp>
+      <p:sp>
+        <p:nvSpPr>
+          <p:cNvPr id="93" name="Google Shape;93;p19"/>
+          <p:cNvSpPr txBox="1"/>
+          <p:nvPr>
+            <p:ph idx="1" type="body"/>
+          </p:nvPr>
+        </p:nvSpPr>
+        <p:spPr>
+          <a:xfrm>
+            <a:off x="311700" y="1152475"/>
+            <a:ext cx="8520600" cy="3416400"/>
+          </a:xfrm>
+          <a:prstGeom prst="rect">
+            <a:avLst/>
+          </a:prstGeom>
+        </p:spPr>
+        <p:txBody>
+          <a:bodyPr anchorCtr="0" anchor="t" bIns="91425" lIns="91425" spcFirstLastPara="1" rIns="91425" wrap="square" tIns="91425">
+            <a:normAutofit/>
+          </a:bodyPr>
+          <a:lstStyle/>
+          <a:p>
+            <a:pPr indent="-342900" lvl="0" marL="457200" rtl="0" algn="l">
+              <a:spcBef>
+                <a:spcPts val="0"/>
+              </a:spcBef>
+              <a:spcAft>
+                <a:spcPts val="0"/>
+              </a:spcAft>
+              <a:buSzPts val="1800"/>
+              <a:buChar char="●"/>
+            </a:pPr>
+            <a:r>
+              <a:rPr lang="en"/>
+              <a:t>First, we ask if the user is either a customer or an administrator, then navigate to the menu based on user selection</a:t>
+            </a:r>
+            <a:endParaRPr/>
+          </a:p>
+          <a:p>
+            <a:pPr indent="-342900" lvl="0" marL="457200" rtl="0" algn="l">
+              <a:spcBef>
+                <a:spcPts val="0"/>
+              </a:spcBef>
+              <a:spcAft>
+                <a:spcPts val="0"/>
+              </a:spcAft>
+              <a:buSzPts val="1800"/>
+              <a:buChar char="●"/>
+            </a:pPr>
+            <a:r>
+              <a:rPr lang="en"/>
+              <a:t>If user is customer: </a:t>
+            </a:r>
+            <a:endParaRPr/>
+          </a:p>
+          <a:p>
+            <a:pPr indent="-317500" lvl="1" marL="914400" rtl="0" algn="l">
+              <a:spcBef>
+                <a:spcPts val="0"/>
+              </a:spcBef>
+              <a:spcAft>
+                <a:spcPts val="0"/>
+              </a:spcAft>
+              <a:buSzPts val="1400"/>
+              <a:buChar char="○"/>
+            </a:pPr>
+            <a:r>
+              <a:rPr lang="en"/>
+              <a:t>“Browse Products” page will display “ID”, “SKU”, “Name”, and “Price”. </a:t>
+            </a:r>
+            <a:endParaRPr/>
+          </a:p>
+          <a:p>
+            <a:pPr indent="-317500" lvl="1" marL="914400" rtl="0" algn="l">
+              <a:spcBef>
+                <a:spcPts val="0"/>
+              </a:spcBef>
+              <a:spcAft>
+                <a:spcPts val="0"/>
+              </a:spcAft>
+              <a:buSzPts val="1400"/>
+              <a:buChar char="○"/>
+            </a:pPr>
+            <a:r>
+              <a:rPr lang="en"/>
+              <a:t>“Place order and Pay” page will allow the customer to select the Product ID, quantity, </a:t>
+            </a:r>
+            <a:r>
+              <a:rPr lang="en"/>
+              <a:t>and payment method. An invoice will be generated from there.</a:t>
+            </a:r>
+            <a:endParaRPr/>
+          </a:p>
+          <a:p>
+            <a:pPr indent="-317500" lvl="1" marL="914400" rtl="0" algn="l">
+              <a:spcBef>
+                <a:spcPts val="0"/>
+              </a:spcBef>
+              <a:spcAft>
+                <a:spcPts val="0"/>
+              </a:spcAft>
+              <a:buSzPts val="1400"/>
+              <a:buChar char="○"/>
+            </a:pPr>
+            <a:r>
+              <a:rPr lang="en"/>
+              <a:t>“Process Refund” page will allow the user to select their invoice based on invoice ID and can enter a refund amount that will be processed admin side.</a:t>
+            </a:r>
+            <a:endParaRPr/>
+          </a:p>
+        </p:txBody>
+      </p:sp>
+    </p:spTree>
+  </p:cSld>
+  <p:clrMapOvr>
+    <a:masterClrMapping/>
+  </p:clrMapOvr>
+</p:sld>
+</file>
+
+<file path=ppt/slides/slide8.xml><?xml version="1.0" encoding="utf-8"?>
+<p:sld xmlns:a="http://schemas.openxmlformats.org/drawingml/2006/main" xmlns:r="http://schemas.openxmlformats.org/officeDocument/2006/relationships" xmlns:mc="http://schemas.openxmlformats.org/markup-compatibility/2006" xmlns:mv="urn:schemas-microsoft-com:mac:vml" xmlns:p="http://schemas.openxmlformats.org/presentationml/2006/main" xmlns:c="http://schemas.openxmlformats.org/drawingml/2006/chart" xmlns:dgm="http://schemas.openxmlformats.org/drawingml/2006/diagram" xmlns:o="urn:schemas-microsoft-com:office:office" xmlns:v="urn:schemas-microsoft-com:vml" xmlns:pvml="urn:schemas-microsoft-com:office:powerpoint" xmlns:com="http://schemas.openxmlformats.org/drawingml/2006/compatibility" xmlns:p14="http://schemas.microsoft.com/office/powerpoint/2010/main" xmlns:p15="http://schemas.microsoft.com/office/powerpoint/2012/main" xmlns:ahyp="http://schemas.microsoft.com/office/drawing/2018/hyperlinkcolor">
+  <p:cSld>
+    <p:spTree>
+      <p:nvGrpSpPr>
+        <p:cNvPr id="97" name="Shape 97"/>
+        <p:cNvGrpSpPr/>
+        <p:nvPr/>
+      </p:nvGrpSpPr>
+      <p:grpSpPr>
+        <a:xfrm>
+          <a:off x="0" y="0"/>
+          <a:ext cx="0" cy="0"/>
+          <a:chOff x="0" y="0"/>
+          <a:chExt cx="0" cy="0"/>
+        </a:xfrm>
+      </p:grpSpPr>
+      <p:sp>
+        <p:nvSpPr>
+          <p:cNvPr id="98" name="Google Shape;98;p20"/>
+          <p:cNvSpPr txBox="1"/>
+          <p:nvPr>
+            <p:ph type="title"/>
+          </p:nvPr>
+        </p:nvSpPr>
+        <p:spPr>
+          <a:xfrm>
+            <a:off x="311700" y="445025"/>
+            <a:ext cx="8520600" cy="572700"/>
+          </a:xfrm>
+          <a:prstGeom prst="rect">
+            <a:avLst/>
+          </a:prstGeom>
+        </p:spPr>
+        <p:txBody>
+          <a:bodyPr anchorCtr="0" anchor="t" bIns="91425" lIns="91425" spcFirstLastPara="1" rIns="91425" wrap="square" tIns="91425">
+            <a:normAutofit fontScale="90000"/>
+          </a:bodyPr>
+          <a:lstStyle/>
+          <a:p>
+            <a:pPr indent="0" lvl="0" marL="0" rtl="0" algn="l">
+              <a:spcBef>
+                <a:spcPts val="0"/>
+              </a:spcBef>
+              <a:spcAft>
+                <a:spcPts val="0"/>
+              </a:spcAft>
+              <a:buNone/>
+            </a:pPr>
+            <a:r>
+              <a:rPr lang="en"/>
+              <a:t>Code Demo (cont.)	</a:t>
+            </a:r>
+            <a:endParaRPr/>
+          </a:p>
+        </p:txBody>
+      </p:sp>
+      <p:sp>
+        <p:nvSpPr>
+          <p:cNvPr id="99" name="Google Shape;99;p20"/>
+          <p:cNvSpPr txBox="1"/>
+          <p:nvPr>
+            <p:ph idx="1" type="body"/>
+          </p:nvPr>
+        </p:nvSpPr>
+        <p:spPr>
+          <a:xfrm>
+            <a:off x="311700" y="1152475"/>
+            <a:ext cx="8520600" cy="3416400"/>
+          </a:xfrm>
+          <a:prstGeom prst="rect">
+            <a:avLst/>
+          </a:prstGeom>
+        </p:spPr>
+        <p:txBody>
+          <a:bodyPr anchorCtr="0" anchor="t" bIns="91425" lIns="91425" spcFirstLastPara="1" rIns="91425" wrap="square" tIns="91425">
+            <a:normAutofit/>
+          </a:bodyPr>
+          <a:lstStyle/>
+          <a:p>
+            <a:pPr indent="-342900" lvl="0" marL="457200" rtl="0" algn="l">
+              <a:spcBef>
+                <a:spcPts val="0"/>
+              </a:spcBef>
+              <a:spcAft>
+                <a:spcPts val="0"/>
+              </a:spcAft>
+              <a:buSzPts val="1800"/>
+              <a:buChar char="●"/>
+            </a:pPr>
+            <a:r>
+              <a:rPr lang="en"/>
+              <a:t>If the user is administrator:</a:t>
+            </a:r>
+            <a:endParaRPr/>
+          </a:p>
+          <a:p>
+            <a:pPr indent="-317500" lvl="1" marL="914400" rtl="0" algn="l">
+              <a:spcBef>
+                <a:spcPts val="0"/>
+              </a:spcBef>
+              <a:spcAft>
+                <a:spcPts val="0"/>
+              </a:spcAft>
+              <a:buSzPts val="1400"/>
+              <a:buChar char="○"/>
+            </a:pPr>
+            <a:r>
+              <a:rPr lang="en"/>
+              <a:t>Page has full view of all invoices with details of all invoice numbers, customer names, and whether or not a refund was issued. </a:t>
+            </a:r>
+            <a:endParaRPr/>
+          </a:p>
+          <a:p>
+            <a:pPr indent="-317500" lvl="1" marL="914400" rtl="0" algn="l">
+              <a:spcBef>
+                <a:spcPts val="0"/>
+              </a:spcBef>
+              <a:spcAft>
+                <a:spcPts val="0"/>
+              </a:spcAft>
+              <a:buSzPts val="1400"/>
+              <a:buChar char="○"/>
+            </a:pPr>
+            <a:r>
+              <a:rPr lang="en"/>
+              <a:t>An invoice can be selected to view the specific details of the invoice (e.g. SKU, Product Name,  refund request, etc.). </a:t>
+            </a:r>
+            <a:endParaRPr/>
+          </a:p>
+          <a:p>
+            <a:pPr indent="-317500" lvl="1" marL="914400" rtl="0" algn="l">
+              <a:spcBef>
+                <a:spcPts val="0"/>
+              </a:spcBef>
+              <a:spcAft>
+                <a:spcPts val="0"/>
+              </a:spcAft>
+              <a:buSzPts val="1400"/>
+              <a:buChar char="○"/>
+            </a:pPr>
+            <a:r>
+              <a:rPr lang="en"/>
+              <a:t>View sales rankings and total net profit will show sales rankings and net profit for all countries. The net profit can change depending on if the user requests refunds or not.</a:t>
+            </a:r>
+            <a:endParaRPr/>
+          </a:p>
+          <a:p>
+            <a:pPr indent="-317500" lvl="1" marL="914400" rtl="0" algn="l">
+              <a:spcBef>
+                <a:spcPts val="0"/>
+              </a:spcBef>
+              <a:spcAft>
+                <a:spcPts val="0"/>
+              </a:spcAft>
+              <a:buSzPts val="1400"/>
+              <a:buChar char="○"/>
+            </a:pPr>
+            <a:r>
+              <a:rPr lang="en"/>
+              <a:t>View Best selling products will output product rankings with the SKU, Name of the product, # of units, and # of sales. This ranking can change when the user places an order.</a:t>
+            </a:r>
+            <a:endParaRPr/>
+          </a:p>
+          <a:p>
+            <a:pPr indent="-317500" lvl="1" marL="914400" rtl="0" algn="l">
+              <a:spcBef>
+                <a:spcPts val="0"/>
+              </a:spcBef>
+              <a:spcAft>
+                <a:spcPts val="0"/>
+              </a:spcAft>
+              <a:buSzPts val="1400"/>
+              <a:buChar char="○"/>
+            </a:pPr>
+            <a:r>
+              <a:rPr lang="en"/>
+              <a:t>Admin page also has a view for refund processing based on user request.</a:t>
+            </a:r>
+            <a:endParaRPr/>
+          </a:p>
+        </p:txBody>
+      </p:sp>
     </p:spTree>
   </p:cSld>
   <p:clrMapOvr>
